--- a/docs/Workshop.pptx
+++ b/docs/Workshop.pptx
@@ -5,7 +5,7 @@
     <p:sldMasterId id="2147483648" r:id="rId1"/>
   </p:sldMasterIdLst>
   <p:notesMasterIdLst>
-    <p:notesMasterId r:id="rId20"/>
+    <p:notesMasterId r:id="rId19"/>
   </p:notesMasterIdLst>
   <p:sldIdLst>
     <p:sldId id="256" r:id="rId2"/>
@@ -21,11 +21,10 @@
     <p:sldId id="275" r:id="rId12"/>
     <p:sldId id="276" r:id="rId13"/>
     <p:sldId id="266" r:id="rId14"/>
-    <p:sldId id="267" r:id="rId15"/>
-    <p:sldId id="268" r:id="rId16"/>
-    <p:sldId id="269" r:id="rId17"/>
-    <p:sldId id="270" r:id="rId18"/>
-    <p:sldId id="271" r:id="rId19"/>
+    <p:sldId id="270" r:id="rId15"/>
+    <p:sldId id="277" r:id="rId16"/>
+    <p:sldId id="278" r:id="rId17"/>
+    <p:sldId id="271" r:id="rId18"/>
   </p:sldIdLst>
   <p:sldSz cx="12192000" cy="6858000"/>
   <p:notesSz cx="6858000" cy="9144000"/>
@@ -519,6 +518,10 @@
           </p:nvPr>
         </p:nvSpPr>
         <p:spPr>
+          <a:xfrm>
+            <a:off x="381000" y="685800"/>
+            <a:ext cx="6096000" cy="3429000"/>
+          </a:xfrm>
           <a:prstGeom prst="rect">
             <a:avLst/>
           </a:prstGeom>
@@ -2951,7 +2954,7 @@
           </a:ln>
           <a:extLst>
             <a:ext uri="{C572A759-6A51-4108-AA02-DFA0A04FC94B}">
-              <ma14:wrappingTextBoxFlag xmlns:ma14="http://schemas.microsoft.com/office/mac/drawingml/2011/main" xmlns:a14="http://schemas.microsoft.com/office/drawing/2010/main" xmlns:m="http://schemas.openxmlformats.org/officeDocument/2006/math" xmlns="" val="1"/>
+              <ma14:wrappingTextBoxFlag xmlns="" xmlns:m="http://schemas.openxmlformats.org/officeDocument/2006/math" xmlns:a14="http://schemas.microsoft.com/office/drawing/2010/main" xmlns:ma14="http://schemas.microsoft.com/office/mac/drawingml/2011/main" val="1"/>
             </a:ext>
           </a:extLst>
         </p:spPr>
@@ -3053,7 +3056,7 @@
           </a:ln>
           <a:extLst>
             <a:ext uri="{C572A759-6A51-4108-AA02-DFA0A04FC94B}">
-              <ma14:wrappingTextBoxFlag xmlns:ma14="http://schemas.microsoft.com/office/mac/drawingml/2011/main" xmlns:a14="http://schemas.microsoft.com/office/drawing/2010/main" xmlns:m="http://schemas.openxmlformats.org/officeDocument/2006/math" xmlns="" val="1"/>
+              <ma14:wrappingTextBoxFlag xmlns="" xmlns:m="http://schemas.openxmlformats.org/officeDocument/2006/math" xmlns:a14="http://schemas.microsoft.com/office/drawing/2010/main" xmlns:ma14="http://schemas.microsoft.com/office/mac/drawingml/2011/main" val="1"/>
             </a:ext>
           </a:extLst>
         </p:spPr>
@@ -3912,9 +3915,10 @@
           </a:lstStyle>
           <a:p>
             <a:r>
-              <a:rPr dirty="0"/>
-              <a:t>2022 ODOT Technology Conference</a:t>
+              <a:rPr lang="en-US" dirty="0"/>
+              <a:t>AI/ML for computer vision workshop</a:t>
             </a:r>
+            <a:endParaRPr dirty="0"/>
           </a:p>
         </p:txBody>
       </p:sp>
@@ -3963,7 +3967,7 @@
           </a:ln>
           <a:extLst>
             <a:ext uri="{C572A759-6A51-4108-AA02-DFA0A04FC94B}">
-              <ma14:wrappingTextBoxFlag xmlns:ma14="http://schemas.microsoft.com/office/mac/drawingml/2011/main" xmlns:a14="http://schemas.microsoft.com/office/drawing/2010/main" xmlns:m="http://schemas.openxmlformats.org/officeDocument/2006/math" xmlns="" val="1"/>
+              <ma14:wrappingTextBoxFlag xmlns="" xmlns:m="http://schemas.openxmlformats.org/officeDocument/2006/math" xmlns:a14="http://schemas.microsoft.com/office/drawing/2010/main" xmlns:ma14="http://schemas.microsoft.com/office/mac/drawingml/2011/main" val="1"/>
             </a:ext>
           </a:extLst>
         </p:spPr>
@@ -4007,7 +4011,7 @@
           </a:prstGeom>
           <a:extLst>
             <a:ext uri="{C572A759-6A51-4108-AA02-DFA0A04FC94B}">
-              <ma14:wrappingTextBoxFlag xmlns:ma14="http://schemas.microsoft.com/office/mac/drawingml/2011/main" xmlns:a14="http://schemas.microsoft.com/office/drawing/2010/main" xmlns:m="http://schemas.openxmlformats.org/officeDocument/2006/math" xmlns="" val="1"/>
+              <ma14:wrappingTextBoxFlag xmlns="" xmlns:m="http://schemas.openxmlformats.org/officeDocument/2006/math" xmlns:a14="http://schemas.microsoft.com/office/drawing/2010/main" xmlns:ma14="http://schemas.microsoft.com/office/mac/drawingml/2011/main" val="1"/>
             </a:ext>
           </a:extLst>
         </p:spPr>
@@ -4144,7 +4148,7 @@
           </a:ln>
           <a:extLst>
             <a:ext uri="{C572A759-6A51-4108-AA02-DFA0A04FC94B}">
-              <ma14:wrappingTextBoxFlag xmlns:ma14="http://schemas.microsoft.com/office/mac/drawingml/2011/main" xmlns:a14="http://schemas.microsoft.com/office/drawing/2010/main" xmlns:m="http://schemas.openxmlformats.org/officeDocument/2006/math" xmlns="" val="1"/>
+              <ma14:wrappingTextBoxFlag xmlns="" xmlns:m="http://schemas.openxmlformats.org/officeDocument/2006/math" xmlns:a14="http://schemas.microsoft.com/office/drawing/2010/main" xmlns:ma14="http://schemas.microsoft.com/office/mac/drawingml/2011/main" val="1"/>
             </a:ext>
           </a:extLst>
         </p:spPr>
@@ -4187,7 +4191,7 @@
           </a:ln>
           <a:extLst>
             <a:ext uri="{C572A759-6A51-4108-AA02-DFA0A04FC94B}">
-              <ma14:wrappingTextBoxFlag xmlns:ma14="http://schemas.microsoft.com/office/mac/drawingml/2011/main" xmlns:a14="http://schemas.microsoft.com/office/drawing/2010/main" xmlns:m="http://schemas.openxmlformats.org/officeDocument/2006/math" xmlns="" val="1"/>
+              <ma14:wrappingTextBoxFlag xmlns="" xmlns:m="http://schemas.openxmlformats.org/officeDocument/2006/math" xmlns:a14="http://schemas.microsoft.com/office/drawing/2010/main" xmlns:ma14="http://schemas.microsoft.com/office/mac/drawingml/2011/main" val="1"/>
             </a:ext>
           </a:extLst>
         </p:spPr>
@@ -4235,7 +4239,7 @@
           </a:ln>
           <a:extLst>
             <a:ext uri="{C572A759-6A51-4108-AA02-DFA0A04FC94B}">
-              <ma14:wrappingTextBoxFlag xmlns:ma14="http://schemas.microsoft.com/office/mac/drawingml/2011/main" xmlns:a14="http://schemas.microsoft.com/office/drawing/2010/main" xmlns:m="http://schemas.openxmlformats.org/officeDocument/2006/math" xmlns="" val="1"/>
+              <ma14:wrappingTextBoxFlag xmlns="" xmlns:m="http://schemas.openxmlformats.org/officeDocument/2006/math" xmlns:a14="http://schemas.microsoft.com/office/drawing/2010/main" xmlns:ma14="http://schemas.microsoft.com/office/mac/drawingml/2011/main" val="1"/>
             </a:ext>
           </a:extLst>
         </p:spPr>
@@ -15993,7 +15997,7 @@
           </a:ln>
           <a:extLst>
             <a:ext uri="{C572A759-6A51-4108-AA02-DFA0A04FC94B}">
-              <ma14:wrappingTextBoxFlag xmlns:ma14="http://schemas.microsoft.com/office/mac/drawingml/2011/main" xmlns:a14="http://schemas.microsoft.com/office/drawing/2010/main" xmlns:m="http://schemas.openxmlformats.org/officeDocument/2006/math" xmlns="" val="1"/>
+              <ma14:wrappingTextBoxFlag xmlns="" xmlns:m="http://schemas.openxmlformats.org/officeDocument/2006/math" xmlns:a14="http://schemas.microsoft.com/office/drawing/2010/main" xmlns:ma14="http://schemas.microsoft.com/office/mac/drawingml/2011/main" val="1"/>
             </a:ext>
           </a:extLst>
         </p:spPr>
@@ -16037,7 +16041,7 @@
           </a:prstGeom>
           <a:extLst>
             <a:ext uri="{C572A759-6A51-4108-AA02-DFA0A04FC94B}">
-              <ma14:wrappingTextBoxFlag xmlns:ma14="http://schemas.microsoft.com/office/mac/drawingml/2011/main" xmlns:a14="http://schemas.microsoft.com/office/drawing/2010/main" xmlns:m="http://schemas.openxmlformats.org/officeDocument/2006/math" xmlns="" val="1"/>
+              <ma14:wrappingTextBoxFlag xmlns="" xmlns:m="http://schemas.openxmlformats.org/officeDocument/2006/math" xmlns:a14="http://schemas.microsoft.com/office/drawing/2010/main" xmlns:ma14="http://schemas.microsoft.com/office/mac/drawingml/2011/main" val="1"/>
             </a:ext>
           </a:extLst>
         </p:spPr>
@@ -16060,6 +16064,7 @@
           </a:lstStyle>
           <a:p>
             <a:fld id="{86CB4B4D-7CA3-9044-876B-883B54F8677D}" type="slidenum">
+              <a:rPr/>
               <a:t>13</a:t>
             </a:fld>
             <a:endParaRPr/>
@@ -16117,7 +16122,19 @@
             <a:pPr>
               <a:defRPr sz="3200"/>
             </a:pPr>
-            <a:endParaRPr/>
+            <a:r>
+              <a:rPr lang="en-US" dirty="0"/>
+              <a:t>Go to Google </a:t>
+            </a:r>
+            <a:r>
+              <a:rPr lang="en-US" dirty="0" err="1"/>
+              <a:t>Colab</a:t>
+            </a:r>
+            <a:r>
+              <a:rPr lang="en-US" dirty="0"/>
+              <a:t> and let’s have some fun</a:t>
+            </a:r>
+            <a:endParaRPr dirty="0"/>
           </a:p>
         </p:txBody>
       </p:sp>
@@ -16131,559 +16148,6 @@
 </file>
 
 <file path=ppt/slides/slide14.xml><?xml version="1.0" encoding="utf-8"?>
-<p:sld xmlns:a="http://schemas.openxmlformats.org/drawingml/2006/main" xmlns:r="http://schemas.openxmlformats.org/officeDocument/2006/relationships" xmlns:p="http://schemas.openxmlformats.org/presentationml/2006/main">
-  <p:cSld>
-    <p:spTree>
-      <p:nvGrpSpPr>
-        <p:cNvPr id="1" name=""/>
-        <p:cNvGrpSpPr/>
-        <p:nvPr/>
-      </p:nvGrpSpPr>
-      <p:grpSpPr>
-        <a:xfrm>
-          <a:off x="0" y="0"/>
-          <a:ext cx="0" cy="0"/>
-          <a:chOff x="0" y="0"/>
-          <a:chExt cx="0" cy="0"/>
-        </a:xfrm>
-      </p:grpSpPr>
-      <p:sp>
-        <p:nvSpPr>
-          <p:cNvPr id="207" name="Footer Placeholder 8"/>
-          <p:cNvSpPr txBox="1"/>
-          <p:nvPr/>
-        </p:nvSpPr>
-        <p:spPr>
-          <a:xfrm>
-            <a:off x="1493519" y="6324600"/>
-            <a:ext cx="7664779" cy="365761"/>
-          </a:xfrm>
-          <a:prstGeom prst="rect">
-            <a:avLst/>
-          </a:prstGeom>
-          <a:ln w="12700">
-            <a:miter lim="400000"/>
-          </a:ln>
-          <a:extLst>
-            <a:ext uri="{C572A759-6A51-4108-AA02-DFA0A04FC94B}">
-              <ma14:wrappingTextBoxFlag xmlns:ma14="http://schemas.microsoft.com/office/mac/drawingml/2011/main" xmlns:a14="http://schemas.microsoft.com/office/drawing/2010/main" xmlns:m="http://schemas.openxmlformats.org/officeDocument/2006/math" xmlns="" val="1"/>
-            </a:ext>
-          </a:extLst>
-        </p:spPr>
-        <p:txBody>
-          <a:bodyPr lIns="45719" rIns="45719" anchor="ctr">
-            <a:normAutofit/>
-          </a:bodyPr>
-          <a:lstStyle>
-            <a:lvl1pPr>
-              <a:defRPr sz="1400" b="1" spc="100">
-                <a:solidFill>
-                  <a:srgbClr val="808080"/>
-                </a:solidFill>
-              </a:defRPr>
-            </a:lvl1pPr>
-          </a:lstStyle>
-          <a:p>
-            <a:r>
-              <a:t>ODOT Technology Conference 2022       TOGETHER TOWARDS TOMORROW</a:t>
-            </a:r>
-          </a:p>
-        </p:txBody>
-      </p:sp>
-      <p:sp>
-        <p:nvSpPr>
-          <p:cNvPr id="208" name="Rectangle 11"/>
-          <p:cNvSpPr txBox="1">
-            <a:spLocks noGrp="1"/>
-          </p:cNvSpPr>
-          <p:nvPr>
-            <p:ph type="sldNum" sz="quarter" idx="2"/>
-          </p:nvPr>
-        </p:nvSpPr>
-        <p:spPr>
-          <a:xfrm>
-            <a:off x="1248618" y="6405880"/>
-            <a:ext cx="199182" cy="203201"/>
-          </a:xfrm>
-          <a:prstGeom prst="rect">
-            <a:avLst/>
-          </a:prstGeom>
-          <a:extLst>
-            <a:ext uri="{C572A759-6A51-4108-AA02-DFA0A04FC94B}">
-              <ma14:wrappingTextBoxFlag xmlns:ma14="http://schemas.microsoft.com/office/mac/drawingml/2011/main" xmlns:a14="http://schemas.microsoft.com/office/drawing/2010/main" xmlns:m="http://schemas.openxmlformats.org/officeDocument/2006/math" xmlns="" val="1"/>
-            </a:ext>
-          </a:extLst>
-        </p:spPr>
-        <p:txBody>
-          <a:bodyPr>
-            <a:normAutofit lnSpcReduction="10000"/>
-          </a:bodyPr>
-          <a:lstStyle>
-            <a:lvl1pPr algn="r">
-              <a:defRPr sz="1400">
-                <a:solidFill>
-                  <a:srgbClr val="808080"/>
-                </a:solidFill>
-                <a:latin typeface="Trebuchet MS"/>
-                <a:ea typeface="Trebuchet MS"/>
-                <a:cs typeface="Trebuchet MS"/>
-                <a:sym typeface="Trebuchet MS"/>
-              </a:defRPr>
-            </a:lvl1pPr>
-          </a:lstStyle>
-          <a:p>
-            <a:fld id="{86CB4B4D-7CA3-9044-876B-883B54F8677D}" type="slidenum">
-              <a:t>14</a:t>
-            </a:fld>
-            <a:endParaRPr/>
-          </a:p>
-        </p:txBody>
-      </p:sp>
-      <p:sp>
-        <p:nvSpPr>
-          <p:cNvPr id="209" name="Title 3"/>
-          <p:cNvSpPr txBox="1">
-            <a:spLocks noGrp="1"/>
-          </p:cNvSpPr>
-          <p:nvPr>
-            <p:ph type="title"/>
-          </p:nvPr>
-        </p:nvSpPr>
-        <p:spPr>
-          <a:prstGeom prst="rect">
-            <a:avLst/>
-          </a:prstGeom>
-        </p:spPr>
-        <p:txBody>
-          <a:bodyPr/>
-          <a:lstStyle/>
-          <a:p>
-            <a:r>
-              <a:t>Custom Model</a:t>
-            </a:r>
-          </a:p>
-        </p:txBody>
-      </p:sp>
-      <p:sp>
-        <p:nvSpPr>
-          <p:cNvPr id="210" name="Content Placeholder 4"/>
-          <p:cNvSpPr txBox="1">
-            <a:spLocks noGrp="1"/>
-          </p:cNvSpPr>
-          <p:nvPr>
-            <p:ph type="body" idx="1"/>
-          </p:nvPr>
-        </p:nvSpPr>
-        <p:spPr>
-          <a:prstGeom prst="rect">
-            <a:avLst/>
-          </a:prstGeom>
-        </p:spPr>
-        <p:txBody>
-          <a:bodyPr/>
-          <a:lstStyle/>
-          <a:p>
-            <a:pPr>
-              <a:defRPr sz="3200"/>
-            </a:pPr>
-            <a:r>
-              <a:t>Start with an existing training data set if you can find one</a:t>
-            </a:r>
-          </a:p>
-          <a:p>
-            <a:pPr>
-              <a:defRPr sz="3200"/>
-            </a:pPr>
-            <a:r>
-              <a:t>Train the model</a:t>
-            </a:r>
-          </a:p>
-          <a:p>
-            <a:pPr>
-              <a:defRPr sz="3200"/>
-            </a:pPr>
-            <a:r>
-              <a:t>Evaluate it</a:t>
-            </a:r>
-          </a:p>
-        </p:txBody>
-      </p:sp>
-    </p:spTree>
-  </p:cSld>
-  <p:clrMapOvr>
-    <a:masterClrMapping/>
-  </p:clrMapOvr>
-  <p:transition spd="med"/>
-</p:sld>
-</file>
-
-<file path=ppt/slides/slide15.xml><?xml version="1.0" encoding="utf-8"?>
-<p:sld xmlns:a="http://schemas.openxmlformats.org/drawingml/2006/main" xmlns:r="http://schemas.openxmlformats.org/officeDocument/2006/relationships" xmlns:p="http://schemas.openxmlformats.org/presentationml/2006/main">
-  <p:cSld>
-    <p:spTree>
-      <p:nvGrpSpPr>
-        <p:cNvPr id="1" name=""/>
-        <p:cNvGrpSpPr/>
-        <p:nvPr/>
-      </p:nvGrpSpPr>
-      <p:grpSpPr>
-        <a:xfrm>
-          <a:off x="0" y="0"/>
-          <a:ext cx="0" cy="0"/>
-          <a:chOff x="0" y="0"/>
-          <a:chExt cx="0" cy="0"/>
-        </a:xfrm>
-      </p:grpSpPr>
-      <p:sp>
-        <p:nvSpPr>
-          <p:cNvPr id="212" name="Footer Placeholder 8"/>
-          <p:cNvSpPr txBox="1"/>
-          <p:nvPr/>
-        </p:nvSpPr>
-        <p:spPr>
-          <a:xfrm>
-            <a:off x="1493519" y="6324600"/>
-            <a:ext cx="7664779" cy="365761"/>
-          </a:xfrm>
-          <a:prstGeom prst="rect">
-            <a:avLst/>
-          </a:prstGeom>
-          <a:ln w="12700">
-            <a:miter lim="400000"/>
-          </a:ln>
-          <a:extLst>
-            <a:ext uri="{C572A759-6A51-4108-AA02-DFA0A04FC94B}">
-              <ma14:wrappingTextBoxFlag xmlns:ma14="http://schemas.microsoft.com/office/mac/drawingml/2011/main" xmlns:a14="http://schemas.microsoft.com/office/drawing/2010/main" xmlns:m="http://schemas.openxmlformats.org/officeDocument/2006/math" xmlns="" val="1"/>
-            </a:ext>
-          </a:extLst>
-        </p:spPr>
-        <p:txBody>
-          <a:bodyPr lIns="45719" rIns="45719" anchor="ctr">
-            <a:normAutofit/>
-          </a:bodyPr>
-          <a:lstStyle>
-            <a:lvl1pPr>
-              <a:defRPr sz="1400" b="1" spc="100">
-                <a:solidFill>
-                  <a:srgbClr val="808080"/>
-                </a:solidFill>
-              </a:defRPr>
-            </a:lvl1pPr>
-          </a:lstStyle>
-          <a:p>
-            <a:r>
-              <a:t>ODOT Technology Conference 2022       TOGETHER TOWARDS TOMORROW</a:t>
-            </a:r>
-          </a:p>
-        </p:txBody>
-      </p:sp>
-      <p:sp>
-        <p:nvSpPr>
-          <p:cNvPr id="213" name="Rectangle 11"/>
-          <p:cNvSpPr txBox="1">
-            <a:spLocks noGrp="1"/>
-          </p:cNvSpPr>
-          <p:nvPr>
-            <p:ph type="sldNum" sz="quarter" idx="2"/>
-          </p:nvPr>
-        </p:nvSpPr>
-        <p:spPr>
-          <a:xfrm>
-            <a:off x="1248618" y="6405880"/>
-            <a:ext cx="199182" cy="203201"/>
-          </a:xfrm>
-          <a:prstGeom prst="rect">
-            <a:avLst/>
-          </a:prstGeom>
-          <a:extLst>
-            <a:ext uri="{C572A759-6A51-4108-AA02-DFA0A04FC94B}">
-              <ma14:wrappingTextBoxFlag xmlns:ma14="http://schemas.microsoft.com/office/mac/drawingml/2011/main" xmlns:a14="http://schemas.microsoft.com/office/drawing/2010/main" xmlns:m="http://schemas.openxmlformats.org/officeDocument/2006/math" xmlns="" val="1"/>
-            </a:ext>
-          </a:extLst>
-        </p:spPr>
-        <p:txBody>
-          <a:bodyPr>
-            <a:normAutofit lnSpcReduction="10000"/>
-          </a:bodyPr>
-          <a:lstStyle>
-            <a:lvl1pPr algn="r">
-              <a:defRPr sz="1400">
-                <a:solidFill>
-                  <a:srgbClr val="808080"/>
-                </a:solidFill>
-                <a:latin typeface="Trebuchet MS"/>
-                <a:ea typeface="Trebuchet MS"/>
-                <a:cs typeface="Trebuchet MS"/>
-                <a:sym typeface="Trebuchet MS"/>
-              </a:defRPr>
-            </a:lvl1pPr>
-          </a:lstStyle>
-          <a:p>
-            <a:fld id="{86CB4B4D-7CA3-9044-876B-883B54F8677D}" type="slidenum">
-              <a:t>15</a:t>
-            </a:fld>
-            <a:endParaRPr/>
-          </a:p>
-        </p:txBody>
-      </p:sp>
-      <p:sp>
-        <p:nvSpPr>
-          <p:cNvPr id="214" name="Title 3"/>
-          <p:cNvSpPr txBox="1">
-            <a:spLocks noGrp="1"/>
-          </p:cNvSpPr>
-          <p:nvPr>
-            <p:ph type="title"/>
-          </p:nvPr>
-        </p:nvSpPr>
-        <p:spPr>
-          <a:prstGeom prst="rect">
-            <a:avLst/>
-          </a:prstGeom>
-        </p:spPr>
-        <p:txBody>
-          <a:bodyPr/>
-          <a:lstStyle/>
-          <a:p>
-            <a:r>
-              <a:t>Custom Model</a:t>
-            </a:r>
-          </a:p>
-        </p:txBody>
-      </p:sp>
-      <p:sp>
-        <p:nvSpPr>
-          <p:cNvPr id="215" name="Content Placeholder 4"/>
-          <p:cNvSpPr txBox="1">
-            <a:spLocks noGrp="1"/>
-          </p:cNvSpPr>
-          <p:nvPr>
-            <p:ph type="body" idx="1"/>
-          </p:nvPr>
-        </p:nvSpPr>
-        <p:spPr>
-          <a:prstGeom prst="rect">
-            <a:avLst/>
-          </a:prstGeom>
-        </p:spPr>
-        <p:txBody>
-          <a:bodyPr/>
-          <a:lstStyle/>
-          <a:p>
-            <a:pPr>
-              <a:defRPr sz="3200"/>
-            </a:pPr>
-            <a:r>
-              <a:t>Annotate your own data</a:t>
-            </a:r>
-          </a:p>
-          <a:p>
-            <a:pPr>
-              <a:defRPr sz="3200"/>
-            </a:pPr>
-            <a:r>
-              <a:t>Image annotations</a:t>
-            </a:r>
-          </a:p>
-          <a:p>
-            <a:pPr>
-              <a:defRPr sz="3200"/>
-            </a:pPr>
-            <a:r>
-              <a:t>Data format</a:t>
-            </a:r>
-          </a:p>
-        </p:txBody>
-      </p:sp>
-    </p:spTree>
-  </p:cSld>
-  <p:clrMapOvr>
-    <a:masterClrMapping/>
-  </p:clrMapOvr>
-  <p:transition spd="med"/>
-</p:sld>
-</file>
-
-<file path=ppt/slides/slide16.xml><?xml version="1.0" encoding="utf-8"?>
-<p:sld xmlns:a="http://schemas.openxmlformats.org/drawingml/2006/main" xmlns:r="http://schemas.openxmlformats.org/officeDocument/2006/relationships" xmlns:p="http://schemas.openxmlformats.org/presentationml/2006/main">
-  <p:cSld>
-    <p:spTree>
-      <p:nvGrpSpPr>
-        <p:cNvPr id="1" name=""/>
-        <p:cNvGrpSpPr/>
-        <p:nvPr/>
-      </p:nvGrpSpPr>
-      <p:grpSpPr>
-        <a:xfrm>
-          <a:off x="0" y="0"/>
-          <a:ext cx="0" cy="0"/>
-          <a:chOff x="0" y="0"/>
-          <a:chExt cx="0" cy="0"/>
-        </a:xfrm>
-      </p:grpSpPr>
-      <p:sp>
-        <p:nvSpPr>
-          <p:cNvPr id="217" name="Footer Placeholder 8"/>
-          <p:cNvSpPr txBox="1"/>
-          <p:nvPr/>
-        </p:nvSpPr>
-        <p:spPr>
-          <a:xfrm>
-            <a:off x="1493519" y="6324600"/>
-            <a:ext cx="7664779" cy="365761"/>
-          </a:xfrm>
-          <a:prstGeom prst="rect">
-            <a:avLst/>
-          </a:prstGeom>
-          <a:ln w="12700">
-            <a:miter lim="400000"/>
-          </a:ln>
-          <a:extLst>
-            <a:ext uri="{C572A759-6A51-4108-AA02-DFA0A04FC94B}">
-              <ma14:wrappingTextBoxFlag xmlns:ma14="http://schemas.microsoft.com/office/mac/drawingml/2011/main" xmlns:a14="http://schemas.microsoft.com/office/drawing/2010/main" xmlns:m="http://schemas.openxmlformats.org/officeDocument/2006/math" xmlns="" val="1"/>
-            </a:ext>
-          </a:extLst>
-        </p:spPr>
-        <p:txBody>
-          <a:bodyPr lIns="45719" rIns="45719" anchor="ctr">
-            <a:normAutofit/>
-          </a:bodyPr>
-          <a:lstStyle>
-            <a:lvl1pPr>
-              <a:defRPr sz="1400" b="1" spc="100">
-                <a:solidFill>
-                  <a:srgbClr val="808080"/>
-                </a:solidFill>
-              </a:defRPr>
-            </a:lvl1pPr>
-          </a:lstStyle>
-          <a:p>
-            <a:r>
-              <a:t>ODOT Technology Conference 2022       TOGETHER TOWARDS TOMORROW</a:t>
-            </a:r>
-          </a:p>
-        </p:txBody>
-      </p:sp>
-      <p:sp>
-        <p:nvSpPr>
-          <p:cNvPr id="218" name="Rectangle 11"/>
-          <p:cNvSpPr txBox="1">
-            <a:spLocks noGrp="1"/>
-          </p:cNvSpPr>
-          <p:nvPr>
-            <p:ph type="sldNum" sz="quarter" idx="2"/>
-          </p:nvPr>
-        </p:nvSpPr>
-        <p:spPr>
-          <a:xfrm>
-            <a:off x="1248618" y="6405880"/>
-            <a:ext cx="199182" cy="203201"/>
-          </a:xfrm>
-          <a:prstGeom prst="rect">
-            <a:avLst/>
-          </a:prstGeom>
-          <a:extLst>
-            <a:ext uri="{C572A759-6A51-4108-AA02-DFA0A04FC94B}">
-              <ma14:wrappingTextBoxFlag xmlns:ma14="http://schemas.microsoft.com/office/mac/drawingml/2011/main" xmlns:a14="http://schemas.microsoft.com/office/drawing/2010/main" xmlns:m="http://schemas.openxmlformats.org/officeDocument/2006/math" xmlns="" val="1"/>
-            </a:ext>
-          </a:extLst>
-        </p:spPr>
-        <p:txBody>
-          <a:bodyPr>
-            <a:normAutofit lnSpcReduction="10000"/>
-          </a:bodyPr>
-          <a:lstStyle>
-            <a:lvl1pPr algn="r">
-              <a:defRPr sz="1400">
-                <a:solidFill>
-                  <a:srgbClr val="808080"/>
-                </a:solidFill>
-                <a:latin typeface="Trebuchet MS"/>
-                <a:ea typeface="Trebuchet MS"/>
-                <a:cs typeface="Trebuchet MS"/>
-                <a:sym typeface="Trebuchet MS"/>
-              </a:defRPr>
-            </a:lvl1pPr>
-          </a:lstStyle>
-          <a:p>
-            <a:fld id="{86CB4B4D-7CA3-9044-876B-883B54F8677D}" type="slidenum">
-              <a:t>16</a:t>
-            </a:fld>
-            <a:endParaRPr/>
-          </a:p>
-        </p:txBody>
-      </p:sp>
-      <p:sp>
-        <p:nvSpPr>
-          <p:cNvPr id="219" name="Title 3"/>
-          <p:cNvSpPr txBox="1">
-            <a:spLocks noGrp="1"/>
-          </p:cNvSpPr>
-          <p:nvPr>
-            <p:ph type="title"/>
-          </p:nvPr>
-        </p:nvSpPr>
-        <p:spPr>
-          <a:prstGeom prst="rect">
-            <a:avLst/>
-          </a:prstGeom>
-        </p:spPr>
-        <p:txBody>
-          <a:bodyPr/>
-          <a:lstStyle/>
-          <a:p>
-            <a:r>
-              <a:t>Active Learning</a:t>
-            </a:r>
-          </a:p>
-        </p:txBody>
-      </p:sp>
-      <p:sp>
-        <p:nvSpPr>
-          <p:cNvPr id="220" name="Content Placeholder 4"/>
-          <p:cNvSpPr txBox="1">
-            <a:spLocks noGrp="1"/>
-          </p:cNvSpPr>
-          <p:nvPr>
-            <p:ph type="body" idx="1"/>
-          </p:nvPr>
-        </p:nvSpPr>
-        <p:spPr>
-          <a:prstGeom prst="rect">
-            <a:avLst/>
-          </a:prstGeom>
-        </p:spPr>
-        <p:txBody>
-          <a:bodyPr/>
-          <a:lstStyle/>
-          <a:p>
-            <a:pPr>
-              <a:defRPr sz="3200"/>
-            </a:pPr>
-            <a:r>
-              <a:t>improve model over time</a:t>
-            </a:r>
-          </a:p>
-          <a:p>
-            <a:pPr>
-              <a:defRPr sz="3200"/>
-            </a:pPr>
-            <a:r>
-              <a:t>adapt to changes</a:t>
-            </a:r>
-          </a:p>
-        </p:txBody>
-      </p:sp>
-    </p:spTree>
-  </p:cSld>
-  <p:clrMapOvr>
-    <a:masterClrMapping/>
-  </p:clrMapOvr>
-  <p:transition spd="med"/>
-</p:sld>
-</file>
-
-<file path=ppt/slides/slide17.xml><?xml version="1.0" encoding="utf-8"?>
 <p:sld xmlns:a="http://schemas.openxmlformats.org/drawingml/2006/main" xmlns:r="http://schemas.openxmlformats.org/officeDocument/2006/relationships" xmlns:p="http://schemas.openxmlformats.org/presentationml/2006/main">
   <p:cSld>
     <p:spTree>
@@ -16719,7 +16183,7 @@
           </a:ln>
           <a:extLst>
             <a:ext uri="{C572A759-6A51-4108-AA02-DFA0A04FC94B}">
-              <ma14:wrappingTextBoxFlag xmlns:ma14="http://schemas.microsoft.com/office/mac/drawingml/2011/main" xmlns:a14="http://schemas.microsoft.com/office/drawing/2010/main" xmlns:m="http://schemas.openxmlformats.org/officeDocument/2006/math" xmlns="" val="1"/>
+              <ma14:wrappingTextBoxFlag xmlns="" xmlns:m="http://schemas.openxmlformats.org/officeDocument/2006/math" xmlns:a14="http://schemas.microsoft.com/office/drawing/2010/main" xmlns:ma14="http://schemas.microsoft.com/office/mac/drawingml/2011/main" val="1"/>
             </a:ext>
           </a:extLst>
         </p:spPr>
@@ -16763,7 +16227,7 @@
           </a:prstGeom>
           <a:extLst>
             <a:ext uri="{C572A759-6A51-4108-AA02-DFA0A04FC94B}">
-              <ma14:wrappingTextBoxFlag xmlns:ma14="http://schemas.microsoft.com/office/mac/drawingml/2011/main" xmlns:a14="http://schemas.microsoft.com/office/drawing/2010/main" xmlns:m="http://schemas.openxmlformats.org/officeDocument/2006/math" xmlns="" val="1"/>
+              <ma14:wrappingTextBoxFlag xmlns="" xmlns:m="http://schemas.openxmlformats.org/officeDocument/2006/math" xmlns:a14="http://schemas.microsoft.com/office/drawing/2010/main" xmlns:ma14="http://schemas.microsoft.com/office/mac/drawingml/2011/main" val="1"/>
             </a:ext>
           </a:extLst>
         </p:spPr>
@@ -16786,7 +16250,8 @@
           </a:lstStyle>
           <a:p>
             <a:fld id="{86CB4B4D-7CA3-9044-876B-883B54F8677D}" type="slidenum">
-              <a:t>17</a:t>
+              <a:rPr/>
+              <a:t>14</a:t>
             </a:fld>
             <a:endParaRPr/>
           </a:p>
@@ -16840,126 +16305,28 @@
               <a:defRPr sz="3200"/>
             </a:pPr>
             <a:r>
-              <a:t>Stable Diffusion</a:t>
+              <a:rPr dirty="0"/>
+              <a:t>Whisper</a:t>
             </a:r>
+            <a:endParaRPr lang="en-US" dirty="0"/>
           </a:p>
           <a:p>
-            <a:pPr indent="-317500" defTabSz="457200">
-              <a:spcBef>
-                <a:spcPts val="0"/>
-              </a:spcBef>
-              <a:buClr>
-                <a:srgbClr val="2470B3"/>
-              </a:buClr>
-              <a:buFont typeface="Helvetica"/>
-              <a:buChar char="•"/>
-              <a:defRPr sz="3000" u="sng">
-                <a:solidFill>
-                  <a:srgbClr val="2470B3"/>
-                </a:solidFill>
-                <a:latin typeface="+mn-lt"/>
-                <a:ea typeface="+mn-ea"/>
-                <a:cs typeface="+mn-cs"/>
-                <a:sym typeface="Helvetica"/>
-              </a:defRPr>
-            </a:pPr>
-            <a:r>
-              <a:rPr>
-                <a:solidFill>
-                  <a:srgbClr val="40BAC8"/>
-                </a:solidFill>
-                <a:uFill>
-                  <a:solidFill>
-                    <a:srgbClr val="40BAC8"/>
-                  </a:solidFill>
-                </a:uFill>
-                <a:hlinkClick r:id="rId2"/>
-              </a:rPr>
-              <a:t>https://twitter.com/xsteenbrugge/status/1558508866463219712</a:t>
-            </a:r>
-            <a:endParaRPr u="none">
-              <a:solidFill>
-                <a:srgbClr val="080808"/>
-              </a:solidFill>
-            </a:endParaRPr>
-          </a:p>
-          <a:p>
-            <a:pPr indent="-317500" defTabSz="457200">
-              <a:spcBef>
-                <a:spcPts val="0"/>
-              </a:spcBef>
-              <a:buClr>
-                <a:srgbClr val="2470B3"/>
-              </a:buClr>
-              <a:buFont typeface="Helvetica"/>
-              <a:buChar char="•"/>
-              <a:defRPr sz="3000">
-                <a:solidFill>
-                  <a:srgbClr val="2470B3"/>
-                </a:solidFill>
-                <a:latin typeface="+mn-lt"/>
-                <a:ea typeface="+mn-ea"/>
-                <a:cs typeface="+mn-cs"/>
-                <a:sym typeface="Helvetica"/>
-              </a:defRPr>
-            </a:pPr>
-            <a:r>
-              <a:rPr u="sng">
-                <a:solidFill>
-                  <a:srgbClr val="40BAC8"/>
-                </a:solidFill>
-                <a:uFill>
-                  <a:solidFill>
-                    <a:srgbClr val="40BAC8"/>
-                  </a:solidFill>
-                </a:uFill>
-                <a:hlinkClick r:id="rId3"/>
-              </a:rPr>
-              <a:t>https://github.com/CompVis/stable-diffusion</a:t>
-            </a:r>
-          </a:p>
-          <a:p>
-            <a:pPr>
+            <a:pPr lvl="1">
               <a:defRPr sz="3200"/>
             </a:pPr>
             <a:r>
-              <a:t>Whisper</a:t>
+              <a:rPr lang="en-US" sz="2600" dirty="0">
+                <a:hlinkClick r:id="rId2"/>
+              </a:rPr>
+              <a:t>https://openai.com/blog/whisper</a:t>
             </a:r>
+            <a:endParaRPr lang="en-US" sz="2600" dirty="0"/>
           </a:p>
           <a:p>
-            <a:pPr indent="-317500" defTabSz="457200">
-              <a:spcBef>
-                <a:spcPts val="0"/>
-              </a:spcBef>
-              <a:buClr>
-                <a:srgbClr val="2470B3"/>
-              </a:buClr>
-              <a:buFont typeface="Helvetica"/>
-              <a:buChar char="•"/>
-              <a:defRPr sz="3000" u="sng">
-                <a:solidFill>
-                  <a:srgbClr val="2470B3"/>
-                </a:solidFill>
-                <a:latin typeface="+mn-lt"/>
-                <a:ea typeface="+mn-ea"/>
-                <a:cs typeface="+mn-cs"/>
-                <a:sym typeface="Helvetica"/>
-              </a:defRPr>
+            <a:pPr lvl="1">
+              <a:defRPr sz="3200"/>
             </a:pPr>
-            <a:r>
-              <a:rPr>
-                <a:solidFill>
-                  <a:srgbClr val="40BAC8"/>
-                </a:solidFill>
-                <a:uFill>
-                  <a:solidFill>
-                    <a:srgbClr val="40BAC8"/>
-                  </a:solidFill>
-                </a:uFill>
-                <a:hlinkClick r:id="rId4"/>
-              </a:rPr>
-              <a:t>https://openai.com/blog/whisper/</a:t>
-            </a:r>
+            <a:endParaRPr lang="en-US" dirty="0"/>
           </a:p>
         </p:txBody>
       </p:sp>
@@ -16972,7 +16339,506 @@
 </p:sld>
 </file>
 
-<file path=ppt/slides/slide18.xml><?xml version="1.0" encoding="utf-8"?>
+<file path=ppt/slides/slide15.xml><?xml version="1.0" encoding="utf-8"?>
+<p:sld xmlns:a="http://schemas.openxmlformats.org/drawingml/2006/main" xmlns:r="http://schemas.openxmlformats.org/officeDocument/2006/relationships" xmlns:p="http://schemas.openxmlformats.org/presentationml/2006/main">
+  <p:cSld>
+    <p:spTree>
+      <p:nvGrpSpPr>
+        <p:cNvPr id="1" name=""/>
+        <p:cNvGrpSpPr/>
+        <p:nvPr/>
+      </p:nvGrpSpPr>
+      <p:grpSpPr>
+        <a:xfrm>
+          <a:off x="0" y="0"/>
+          <a:ext cx="0" cy="0"/>
+          <a:chOff x="0" y="0"/>
+          <a:chExt cx="0" cy="0"/>
+        </a:xfrm>
+      </p:grpSpPr>
+      <p:sp>
+        <p:nvSpPr>
+          <p:cNvPr id="222" name="Footer Placeholder 8"/>
+          <p:cNvSpPr txBox="1"/>
+          <p:nvPr/>
+        </p:nvSpPr>
+        <p:spPr>
+          <a:xfrm>
+            <a:off x="1493519" y="6324600"/>
+            <a:ext cx="7664779" cy="365761"/>
+          </a:xfrm>
+          <a:prstGeom prst="rect">
+            <a:avLst/>
+          </a:prstGeom>
+          <a:ln w="12700">
+            <a:miter lim="400000"/>
+          </a:ln>
+          <a:extLst>
+            <a:ext uri="{C572A759-6A51-4108-AA02-DFA0A04FC94B}">
+              <ma14:wrappingTextBoxFlag xmlns="" xmlns:m="http://schemas.openxmlformats.org/officeDocument/2006/math" xmlns:a14="http://schemas.microsoft.com/office/drawing/2010/main" xmlns:ma14="http://schemas.microsoft.com/office/mac/drawingml/2011/main" val="1"/>
+            </a:ext>
+          </a:extLst>
+        </p:spPr>
+        <p:txBody>
+          <a:bodyPr lIns="45719" rIns="45719" anchor="ctr">
+            <a:normAutofit/>
+          </a:bodyPr>
+          <a:lstStyle>
+            <a:lvl1pPr>
+              <a:defRPr sz="1400" b="1" spc="100">
+                <a:solidFill>
+                  <a:srgbClr val="808080"/>
+                </a:solidFill>
+              </a:defRPr>
+            </a:lvl1pPr>
+          </a:lstStyle>
+          <a:p>
+            <a:r>
+              <a:t>ODOT Technology Conference 2022       TOGETHER TOWARDS TOMORROW</a:t>
+            </a:r>
+          </a:p>
+        </p:txBody>
+      </p:sp>
+      <p:sp>
+        <p:nvSpPr>
+          <p:cNvPr id="223" name="Rectangle 11"/>
+          <p:cNvSpPr txBox="1">
+            <a:spLocks noGrp="1"/>
+          </p:cNvSpPr>
+          <p:nvPr>
+            <p:ph type="sldNum" sz="quarter" idx="2"/>
+          </p:nvPr>
+        </p:nvSpPr>
+        <p:spPr>
+          <a:xfrm>
+            <a:off x="1248618" y="6405880"/>
+            <a:ext cx="199182" cy="203201"/>
+          </a:xfrm>
+          <a:prstGeom prst="rect">
+            <a:avLst/>
+          </a:prstGeom>
+          <a:extLst>
+            <a:ext uri="{C572A759-6A51-4108-AA02-DFA0A04FC94B}">
+              <ma14:wrappingTextBoxFlag xmlns="" xmlns:m="http://schemas.openxmlformats.org/officeDocument/2006/math" xmlns:a14="http://schemas.microsoft.com/office/drawing/2010/main" xmlns:ma14="http://schemas.microsoft.com/office/mac/drawingml/2011/main" val="1"/>
+            </a:ext>
+          </a:extLst>
+        </p:spPr>
+        <p:txBody>
+          <a:bodyPr>
+            <a:normAutofit lnSpcReduction="10000"/>
+          </a:bodyPr>
+          <a:lstStyle>
+            <a:lvl1pPr algn="r">
+              <a:defRPr sz="1400">
+                <a:solidFill>
+                  <a:srgbClr val="808080"/>
+                </a:solidFill>
+                <a:latin typeface="Trebuchet MS"/>
+                <a:ea typeface="Trebuchet MS"/>
+                <a:cs typeface="Trebuchet MS"/>
+                <a:sym typeface="Trebuchet MS"/>
+              </a:defRPr>
+            </a:lvl1pPr>
+          </a:lstStyle>
+          <a:p>
+            <a:fld id="{86CB4B4D-7CA3-9044-876B-883B54F8677D}" type="slidenum">
+              <a:rPr/>
+              <a:t>15</a:t>
+            </a:fld>
+            <a:endParaRPr/>
+          </a:p>
+        </p:txBody>
+      </p:sp>
+      <p:sp>
+        <p:nvSpPr>
+          <p:cNvPr id="224" name="Title 3"/>
+          <p:cNvSpPr txBox="1">
+            <a:spLocks noGrp="1"/>
+          </p:cNvSpPr>
+          <p:nvPr>
+            <p:ph type="title"/>
+          </p:nvPr>
+        </p:nvSpPr>
+        <p:spPr>
+          <a:prstGeom prst="rect">
+            <a:avLst/>
+          </a:prstGeom>
+        </p:spPr>
+        <p:txBody>
+          <a:bodyPr/>
+          <a:lstStyle/>
+          <a:p>
+            <a:r>
+              <a:t>Some recent advances</a:t>
+            </a:r>
+          </a:p>
+        </p:txBody>
+      </p:sp>
+      <p:sp>
+        <p:nvSpPr>
+          <p:cNvPr id="225" name="Content Placeholder 4"/>
+          <p:cNvSpPr txBox="1">
+            <a:spLocks noGrp="1"/>
+          </p:cNvSpPr>
+          <p:nvPr>
+            <p:ph type="body" idx="1"/>
+          </p:nvPr>
+        </p:nvSpPr>
+        <p:spPr>
+          <a:prstGeom prst="rect">
+            <a:avLst/>
+          </a:prstGeom>
+        </p:spPr>
+        <p:txBody>
+          <a:bodyPr/>
+          <a:lstStyle/>
+          <a:p>
+            <a:pPr>
+              <a:defRPr sz="3200"/>
+            </a:pPr>
+            <a:r>
+              <a:rPr dirty="0"/>
+              <a:t>Stable Diffusion</a:t>
+            </a:r>
+            <a:endParaRPr lang="en-US" dirty="0"/>
+          </a:p>
+          <a:p>
+            <a:pPr lvl="1">
+              <a:defRPr sz="3200"/>
+            </a:pPr>
+            <a:r>
+              <a:rPr lang="en-US" sz="2600" dirty="0">
+                <a:hlinkClick r:id="rId2"/>
+              </a:rPr>
+              <a:t>https://github.com/CompVis/stable-diffusion</a:t>
+            </a:r>
+            <a:endParaRPr lang="en-US" sz="2600" dirty="0"/>
+          </a:p>
+        </p:txBody>
+      </p:sp>
+    </p:spTree>
+    <p:extLst>
+      <p:ext uri="{BB962C8B-B14F-4D97-AF65-F5344CB8AC3E}">
+        <p14:creationId xmlns:p14="http://schemas.microsoft.com/office/powerpoint/2010/main" val="1149959830"/>
+      </p:ext>
+    </p:extLst>
+  </p:cSld>
+  <p:clrMapOvr>
+    <a:masterClrMapping/>
+  </p:clrMapOvr>
+  <p:transition spd="med"/>
+</p:sld>
+</file>
+
+<file path=ppt/slides/slide16.xml><?xml version="1.0" encoding="utf-8"?>
+<p:sld xmlns:a="http://schemas.openxmlformats.org/drawingml/2006/main" xmlns:r="http://schemas.openxmlformats.org/officeDocument/2006/relationships" xmlns:p="http://schemas.openxmlformats.org/presentationml/2006/main">
+  <p:cSld>
+    <p:spTree>
+      <p:nvGrpSpPr>
+        <p:cNvPr id="1" name=""/>
+        <p:cNvGrpSpPr/>
+        <p:nvPr/>
+      </p:nvGrpSpPr>
+      <p:grpSpPr>
+        <a:xfrm>
+          <a:off x="0" y="0"/>
+          <a:ext cx="0" cy="0"/>
+          <a:chOff x="0" y="0"/>
+          <a:chExt cx="0" cy="0"/>
+        </a:xfrm>
+      </p:grpSpPr>
+      <p:sp>
+        <p:nvSpPr>
+          <p:cNvPr id="222" name="Footer Placeholder 8"/>
+          <p:cNvSpPr txBox="1"/>
+          <p:nvPr/>
+        </p:nvSpPr>
+        <p:spPr>
+          <a:xfrm>
+            <a:off x="1493519" y="6324600"/>
+            <a:ext cx="7664779" cy="365761"/>
+          </a:xfrm>
+          <a:prstGeom prst="rect">
+            <a:avLst/>
+          </a:prstGeom>
+          <a:ln w="12700">
+            <a:miter lim="400000"/>
+          </a:ln>
+          <a:extLst>
+            <a:ext uri="{C572A759-6A51-4108-AA02-DFA0A04FC94B}">
+              <ma14:wrappingTextBoxFlag xmlns="" xmlns:m="http://schemas.openxmlformats.org/officeDocument/2006/math" xmlns:a14="http://schemas.microsoft.com/office/drawing/2010/main" xmlns:ma14="http://schemas.microsoft.com/office/mac/drawingml/2011/main" val="1"/>
+            </a:ext>
+          </a:extLst>
+        </p:spPr>
+        <p:txBody>
+          <a:bodyPr lIns="45719" rIns="45719" anchor="ctr">
+            <a:normAutofit/>
+          </a:bodyPr>
+          <a:lstStyle>
+            <a:lvl1pPr>
+              <a:defRPr sz="1400" b="1" spc="100">
+                <a:solidFill>
+                  <a:srgbClr val="808080"/>
+                </a:solidFill>
+              </a:defRPr>
+            </a:lvl1pPr>
+          </a:lstStyle>
+          <a:p>
+            <a:r>
+              <a:t>ODOT Technology Conference 2022       TOGETHER TOWARDS TOMORROW</a:t>
+            </a:r>
+          </a:p>
+        </p:txBody>
+      </p:sp>
+      <p:sp>
+        <p:nvSpPr>
+          <p:cNvPr id="223" name="Rectangle 11"/>
+          <p:cNvSpPr txBox="1">
+            <a:spLocks noGrp="1"/>
+          </p:cNvSpPr>
+          <p:nvPr>
+            <p:ph type="sldNum" sz="quarter" idx="2"/>
+          </p:nvPr>
+        </p:nvSpPr>
+        <p:spPr>
+          <a:xfrm>
+            <a:off x="1248618" y="6405880"/>
+            <a:ext cx="199182" cy="203201"/>
+          </a:xfrm>
+          <a:prstGeom prst="rect">
+            <a:avLst/>
+          </a:prstGeom>
+          <a:extLst>
+            <a:ext uri="{C572A759-6A51-4108-AA02-DFA0A04FC94B}">
+              <ma14:wrappingTextBoxFlag xmlns="" xmlns:m="http://schemas.openxmlformats.org/officeDocument/2006/math" xmlns:a14="http://schemas.microsoft.com/office/drawing/2010/main" xmlns:ma14="http://schemas.microsoft.com/office/mac/drawingml/2011/main" val="1"/>
+            </a:ext>
+          </a:extLst>
+        </p:spPr>
+        <p:txBody>
+          <a:bodyPr>
+            <a:normAutofit lnSpcReduction="10000"/>
+          </a:bodyPr>
+          <a:lstStyle>
+            <a:lvl1pPr algn="r">
+              <a:defRPr sz="1400">
+                <a:solidFill>
+                  <a:srgbClr val="808080"/>
+                </a:solidFill>
+                <a:latin typeface="Trebuchet MS"/>
+                <a:ea typeface="Trebuchet MS"/>
+                <a:cs typeface="Trebuchet MS"/>
+                <a:sym typeface="Trebuchet MS"/>
+              </a:defRPr>
+            </a:lvl1pPr>
+          </a:lstStyle>
+          <a:p>
+            <a:fld id="{86CB4B4D-7CA3-9044-876B-883B54F8677D}" type="slidenum">
+              <a:rPr/>
+              <a:t>16</a:t>
+            </a:fld>
+            <a:endParaRPr/>
+          </a:p>
+        </p:txBody>
+      </p:sp>
+      <p:sp>
+        <p:nvSpPr>
+          <p:cNvPr id="224" name="Title 3"/>
+          <p:cNvSpPr txBox="1">
+            <a:spLocks noGrp="1"/>
+          </p:cNvSpPr>
+          <p:nvPr>
+            <p:ph type="title"/>
+          </p:nvPr>
+        </p:nvSpPr>
+        <p:spPr>
+          <a:prstGeom prst="rect">
+            <a:avLst/>
+          </a:prstGeom>
+        </p:spPr>
+        <p:txBody>
+          <a:bodyPr/>
+          <a:lstStyle/>
+          <a:p>
+            <a:r>
+              <a:rPr dirty="0"/>
+              <a:t>S</a:t>
+            </a:r>
+            <a:r>
+              <a:rPr lang="en-US" dirty="0"/>
+              <a:t>table diffusion</a:t>
+            </a:r>
+            <a:endParaRPr dirty="0"/>
+          </a:p>
+        </p:txBody>
+      </p:sp>
+      <p:pic>
+        <p:nvPicPr>
+          <p:cNvPr id="3" name="Picture 2">
+            <a:extLst>
+              <a:ext uri="{FF2B5EF4-FFF2-40B4-BE49-F238E27FC236}">
+                <a16:creationId xmlns:a16="http://schemas.microsoft.com/office/drawing/2014/main" id="{C0313772-D8F4-0E54-EF99-D8D261D0017F}"/>
+              </a:ext>
+            </a:extLst>
+          </p:cNvPr>
+          <p:cNvPicPr>
+            <a:picLocks noChangeAspect="1"/>
+          </p:cNvPicPr>
+          <p:nvPr/>
+        </p:nvPicPr>
+        <p:blipFill>
+          <a:blip r:embed="rId2"/>
+          <a:stretch>
+            <a:fillRect/>
+          </a:stretch>
+        </p:blipFill>
+        <p:spPr>
+          <a:xfrm>
+            <a:off x="1975030" y="1019509"/>
+            <a:ext cx="8425115" cy="4883295"/>
+          </a:xfrm>
+          <a:prstGeom prst="rect">
+            <a:avLst/>
+          </a:prstGeom>
+        </p:spPr>
+      </p:pic>
+      <p:sp>
+        <p:nvSpPr>
+          <p:cNvPr id="6" name="TextBox 5">
+            <a:extLst>
+              <a:ext uri="{FF2B5EF4-FFF2-40B4-BE49-F238E27FC236}">
+                <a16:creationId xmlns:a16="http://schemas.microsoft.com/office/drawing/2014/main" id="{226A2A86-E649-70E2-8B18-A8E1FC0D80CD}"/>
+              </a:ext>
+            </a:extLst>
+          </p:cNvPr>
+          <p:cNvSpPr txBox="1"/>
+          <p:nvPr/>
+        </p:nvSpPr>
+        <p:spPr>
+          <a:xfrm>
+            <a:off x="2022768" y="5541817"/>
+            <a:ext cx="7254548" cy="1015661"/>
+          </a:xfrm>
+          <a:prstGeom prst="rect">
+            <a:avLst/>
+          </a:prstGeom>
+          <a:noFill/>
+          <a:ln w="12700" cap="flat">
+            <a:noFill/>
+            <a:miter lim="400000"/>
+          </a:ln>
+          <a:effectLst/>
+          <a:sp3d/>
+        </p:spPr>
+        <p:style>
+          <a:lnRef idx="0">
+            <a:scrgbClr r="0" g="0" b="0"/>
+          </a:lnRef>
+          <a:fillRef idx="0">
+            <a:scrgbClr r="0" g="0" b="0"/>
+          </a:fillRef>
+          <a:effectRef idx="0">
+            <a:scrgbClr r="0" g="0" b="0"/>
+          </a:effectRef>
+          <a:fontRef idx="none"/>
+        </p:style>
+        <p:txBody>
+          <a:bodyPr rot="0" spcFirstLastPara="1" vertOverflow="overflow" horzOverflow="overflow" vert="horz" wrap="none" lIns="45719" tIns="45719" rIns="45719" bIns="45719" numCol="1" spcCol="38100" rtlCol="0" anchor="t">
+            <a:spAutoFit/>
+          </a:bodyPr>
+          <a:lstStyle/>
+          <a:p>
+            <a:pPr>
+              <a:defRPr sz="3200"/>
+            </a:pPr>
+            <a:endParaRPr lang="en-US" sz="2000" dirty="0"/>
+          </a:p>
+          <a:p>
+            <a:pPr defTabSz="457200">
+              <a:spcBef>
+                <a:spcPts val="0"/>
+              </a:spcBef>
+              <a:buClr>
+                <a:srgbClr val="2470B3"/>
+              </a:buClr>
+              <a:defRPr sz="3000" u="sng">
+                <a:solidFill>
+                  <a:srgbClr val="2470B3"/>
+                </a:solidFill>
+                <a:latin typeface="+mn-lt"/>
+                <a:ea typeface="+mn-ea"/>
+                <a:cs typeface="+mn-cs"/>
+                <a:sym typeface="Helvetica"/>
+              </a:defRPr>
+            </a:pPr>
+            <a:r>
+              <a:rPr lang="en-US" sz="2000" dirty="0">
+                <a:solidFill>
+                  <a:srgbClr val="40BAC8"/>
+                </a:solidFill>
+                <a:uFill>
+                  <a:solidFill>
+                    <a:srgbClr val="40BAC8"/>
+                  </a:solidFill>
+                </a:uFill>
+                <a:hlinkClick r:id="rId3"/>
+              </a:rPr>
+              <a:t>https://twitter.com/xsteenbrugge/status/1558508866463219712</a:t>
+            </a:r>
+            <a:endParaRPr lang="en-US" sz="2000" u="none" dirty="0">
+              <a:solidFill>
+                <a:srgbClr val="080808"/>
+              </a:solidFill>
+            </a:endParaRPr>
+          </a:p>
+          <a:p>
+            <a:pPr marL="0" marR="0" indent="0" algn="l" defTabSz="914400" rtl="0" fontAlgn="auto" latinLnBrk="0" hangingPunct="0">
+              <a:lnSpc>
+                <a:spcPct val="100000"/>
+              </a:lnSpc>
+              <a:spcBef>
+                <a:spcPts val="0"/>
+              </a:spcBef>
+              <a:spcAft>
+                <a:spcPts val="0"/>
+              </a:spcAft>
+              <a:buClrTx/>
+              <a:buSzTx/>
+              <a:buFontTx/>
+              <a:buNone/>
+              <a:tabLst/>
+            </a:pPr>
+            <a:endParaRPr kumimoji="0" lang="en-US" sz="2000" b="0" i="0" u="none" strike="noStrike" cap="none" spc="0" normalizeH="0" baseline="0" dirty="0">
+              <a:ln>
+                <a:noFill/>
+              </a:ln>
+              <a:solidFill>
+                <a:srgbClr val="000000"/>
+              </a:solidFill>
+              <a:effectLst/>
+              <a:uFillTx/>
+              <a:latin typeface="Trebuchet MS"/>
+              <a:ea typeface="Trebuchet MS"/>
+              <a:cs typeface="Trebuchet MS"/>
+              <a:sym typeface="Trebuchet MS"/>
+            </a:endParaRPr>
+          </a:p>
+        </p:txBody>
+      </p:sp>
+    </p:spTree>
+    <p:extLst>
+      <p:ext uri="{BB962C8B-B14F-4D97-AF65-F5344CB8AC3E}">
+        <p14:creationId xmlns:p14="http://schemas.microsoft.com/office/powerpoint/2010/main" val="2334686445"/>
+      </p:ext>
+    </p:extLst>
+  </p:cSld>
+  <p:clrMapOvr>
+    <a:masterClrMapping/>
+  </p:clrMapOvr>
+  <p:transition spd="med"/>
+</p:sld>
+</file>
+
+<file path=ppt/slides/slide17.xml><?xml version="1.0" encoding="utf-8"?>
 <p:sld xmlns:a="http://schemas.openxmlformats.org/drawingml/2006/main" xmlns:r="http://schemas.openxmlformats.org/officeDocument/2006/relationships" xmlns:p="http://schemas.openxmlformats.org/presentationml/2006/main">
   <p:cSld>
     <p:spTree>
@@ -17008,7 +16874,7 @@
           </a:ln>
           <a:extLst>
             <a:ext uri="{C572A759-6A51-4108-AA02-DFA0A04FC94B}">
-              <ma14:wrappingTextBoxFlag xmlns:ma14="http://schemas.microsoft.com/office/mac/drawingml/2011/main" xmlns:a14="http://schemas.microsoft.com/office/drawing/2010/main" xmlns:m="http://schemas.openxmlformats.org/officeDocument/2006/math" xmlns="" val="1"/>
+              <ma14:wrappingTextBoxFlag xmlns="" xmlns:m="http://schemas.openxmlformats.org/officeDocument/2006/math" xmlns:a14="http://schemas.microsoft.com/office/drawing/2010/main" xmlns:ma14="http://schemas.microsoft.com/office/mac/drawingml/2011/main" val="1"/>
             </a:ext>
           </a:extLst>
         </p:spPr>
@@ -17052,7 +16918,7 @@
           </a:prstGeom>
           <a:extLst>
             <a:ext uri="{C572A759-6A51-4108-AA02-DFA0A04FC94B}">
-              <ma14:wrappingTextBoxFlag xmlns:ma14="http://schemas.microsoft.com/office/mac/drawingml/2011/main" xmlns:a14="http://schemas.microsoft.com/office/drawing/2010/main" xmlns:m="http://schemas.openxmlformats.org/officeDocument/2006/math" xmlns="" val="1"/>
+              <ma14:wrappingTextBoxFlag xmlns="" xmlns:m="http://schemas.openxmlformats.org/officeDocument/2006/math" xmlns:a14="http://schemas.microsoft.com/office/drawing/2010/main" xmlns:ma14="http://schemas.microsoft.com/office/mac/drawingml/2011/main" val="1"/>
             </a:ext>
           </a:extLst>
         </p:spPr>
@@ -17075,7 +16941,7 @@
           </a:lstStyle>
           <a:p>
             <a:fld id="{86CB4B4D-7CA3-9044-876B-883B54F8677D}" type="slidenum">
-              <a:t>18</a:t>
+              <a:t>17</a:t>
             </a:fld>
             <a:endParaRPr/>
           </a:p>
@@ -17162,7 +17028,7 @@
             <a:effectLst/>
             <a:extLst>
               <a:ext uri="{C572A759-6A51-4108-AA02-DFA0A04FC94B}">
-                <ma14:wrappingTextBoxFlag xmlns:ma14="http://schemas.microsoft.com/office/mac/drawingml/2011/main" xmlns:a14="http://schemas.microsoft.com/office/drawing/2010/main" xmlns:m="http://schemas.openxmlformats.org/officeDocument/2006/math" xmlns="" val="1"/>
+                <ma14:wrappingTextBoxFlag xmlns="" xmlns:m="http://schemas.openxmlformats.org/officeDocument/2006/math" xmlns:a14="http://schemas.microsoft.com/office/drawing/2010/main" xmlns:ma14="http://schemas.microsoft.com/office/mac/drawingml/2011/main" val="1"/>
               </a:ext>
             </a:extLst>
           </p:spPr>
@@ -17235,7 +17101,7 @@
           </a:ln>
           <a:extLst>
             <a:ext uri="{C572A759-6A51-4108-AA02-DFA0A04FC94B}">
-              <ma14:wrappingTextBoxFlag xmlns:ma14="http://schemas.microsoft.com/office/mac/drawingml/2011/main" xmlns:a14="http://schemas.microsoft.com/office/drawing/2010/main" xmlns:m="http://schemas.openxmlformats.org/officeDocument/2006/math" xmlns="" val="1"/>
+              <ma14:wrappingTextBoxFlag xmlns="" xmlns:m="http://schemas.openxmlformats.org/officeDocument/2006/math" xmlns:a14="http://schemas.microsoft.com/office/drawing/2010/main" xmlns:ma14="http://schemas.microsoft.com/office/mac/drawingml/2011/main" val="1"/>
             </a:ext>
           </a:extLst>
         </p:spPr>
@@ -17508,7 +17374,7 @@
           </a:ln>
           <a:extLst>
             <a:ext uri="{C572A759-6A51-4108-AA02-DFA0A04FC94B}">
-              <ma14:wrappingTextBoxFlag xmlns:ma14="http://schemas.microsoft.com/office/mac/drawingml/2011/main" xmlns:a14="http://schemas.microsoft.com/office/drawing/2010/main" xmlns:m="http://schemas.openxmlformats.org/officeDocument/2006/math" xmlns="" val="1"/>
+              <ma14:wrappingTextBoxFlag xmlns="" xmlns:m="http://schemas.openxmlformats.org/officeDocument/2006/math" xmlns:a14="http://schemas.microsoft.com/office/drawing/2010/main" xmlns:ma14="http://schemas.microsoft.com/office/mac/drawingml/2011/main" val="1"/>
             </a:ext>
           </a:extLst>
         </p:spPr>
@@ -17552,7 +17418,7 @@
           </a:prstGeom>
           <a:extLst>
             <a:ext uri="{C572A759-6A51-4108-AA02-DFA0A04FC94B}">
-              <ma14:wrappingTextBoxFlag xmlns:ma14="http://schemas.microsoft.com/office/mac/drawingml/2011/main" xmlns:a14="http://schemas.microsoft.com/office/drawing/2010/main" xmlns:m="http://schemas.openxmlformats.org/officeDocument/2006/math" xmlns="" val="1"/>
+              <ma14:wrappingTextBoxFlag xmlns="" xmlns:m="http://schemas.openxmlformats.org/officeDocument/2006/math" xmlns:a14="http://schemas.microsoft.com/office/drawing/2010/main" xmlns:ma14="http://schemas.microsoft.com/office/mac/drawingml/2011/main" val="1"/>
             </a:ext>
           </a:extLst>
         </p:spPr>
@@ -18040,7 +17906,7 @@
           </a:ln>
           <a:extLst>
             <a:ext uri="{C572A759-6A51-4108-AA02-DFA0A04FC94B}">
-              <ma14:wrappingTextBoxFlag xmlns:ma14="http://schemas.microsoft.com/office/mac/drawingml/2011/main" xmlns:a14="http://schemas.microsoft.com/office/drawing/2010/main" xmlns:m="http://schemas.openxmlformats.org/officeDocument/2006/math" xmlns="" val="1"/>
+              <ma14:wrappingTextBoxFlag xmlns="" xmlns:m="http://schemas.openxmlformats.org/officeDocument/2006/math" xmlns:a14="http://schemas.microsoft.com/office/drawing/2010/main" xmlns:ma14="http://schemas.microsoft.com/office/mac/drawingml/2011/main" val="1"/>
             </a:ext>
           </a:extLst>
         </p:spPr>
@@ -18084,7 +17950,7 @@
           </a:prstGeom>
           <a:extLst>
             <a:ext uri="{C572A759-6A51-4108-AA02-DFA0A04FC94B}">
-              <ma14:wrappingTextBoxFlag xmlns:ma14="http://schemas.microsoft.com/office/mac/drawingml/2011/main" xmlns:a14="http://schemas.microsoft.com/office/drawing/2010/main" xmlns:m="http://schemas.openxmlformats.org/officeDocument/2006/math" xmlns="" val="1"/>
+              <ma14:wrappingTextBoxFlag xmlns="" xmlns:m="http://schemas.openxmlformats.org/officeDocument/2006/math" xmlns:a14="http://schemas.microsoft.com/office/drawing/2010/main" xmlns:ma14="http://schemas.microsoft.com/office/mac/drawingml/2011/main" val="1"/>
             </a:ext>
           </a:extLst>
         </p:spPr>
@@ -24143,7 +24009,7 @@
           </a:ln>
           <a:extLst>
             <a:ext uri="{C572A759-6A51-4108-AA02-DFA0A04FC94B}">
-              <ma14:wrappingTextBoxFlag xmlns:ma14="http://schemas.microsoft.com/office/mac/drawingml/2011/main" xmlns:a14="http://schemas.microsoft.com/office/drawing/2010/main" xmlns:m="http://schemas.openxmlformats.org/officeDocument/2006/math" xmlns="" val="1"/>
+              <ma14:wrappingTextBoxFlag xmlns="" xmlns:m="http://schemas.openxmlformats.org/officeDocument/2006/math" xmlns:a14="http://schemas.microsoft.com/office/drawing/2010/main" xmlns:ma14="http://schemas.microsoft.com/office/mac/drawingml/2011/main" val="1"/>
             </a:ext>
           </a:extLst>
         </p:spPr>
@@ -24187,7 +24053,7 @@
           </a:prstGeom>
           <a:extLst>
             <a:ext uri="{C572A759-6A51-4108-AA02-DFA0A04FC94B}">
-              <ma14:wrappingTextBoxFlag xmlns:ma14="http://schemas.microsoft.com/office/mac/drawingml/2011/main" xmlns:a14="http://schemas.microsoft.com/office/drawing/2010/main" xmlns:m="http://schemas.openxmlformats.org/officeDocument/2006/math" xmlns="" val="1"/>
+              <ma14:wrappingTextBoxFlag xmlns="" xmlns:m="http://schemas.openxmlformats.org/officeDocument/2006/math" xmlns:a14="http://schemas.microsoft.com/office/drawing/2010/main" xmlns:ma14="http://schemas.microsoft.com/office/mac/drawingml/2011/main" val="1"/>
             </a:ext>
           </a:extLst>
         </p:spPr>
@@ -24210,6 +24076,7 @@
           </a:lstStyle>
           <a:p>
             <a:fld id="{86CB4B4D-7CA3-9044-876B-883B54F8677D}" type="slidenum">
+              <a:rPr/>
               <a:t>5</a:t>
             </a:fld>
             <a:endParaRPr/>
@@ -24268,6 +24135,406 @@
           </a:ln>
         </p:spPr>
       </p:pic>
+      <p:cxnSp>
+        <p:nvCxnSpPr>
+          <p:cNvPr id="3" name="Straight Connector 2">
+            <a:extLst>
+              <a:ext uri="{FF2B5EF4-FFF2-40B4-BE49-F238E27FC236}">
+                <a16:creationId xmlns:a16="http://schemas.microsoft.com/office/drawing/2014/main" id="{C8704F9E-F538-14B1-B144-F61C10444724}"/>
+              </a:ext>
+            </a:extLst>
+          </p:cNvPr>
+          <p:cNvCxnSpPr/>
+          <p:nvPr/>
+        </p:nvCxnSpPr>
+        <p:spPr>
+          <a:xfrm>
+            <a:off x="974923" y="5779856"/>
+            <a:ext cx="0" cy="168365"/>
+          </a:xfrm>
+          <a:prstGeom prst="line">
+            <a:avLst/>
+          </a:prstGeom>
+          <a:noFill/>
+          <a:ln w="25400" cap="flat">
+            <a:solidFill>
+              <a:schemeClr val="accent1"/>
+            </a:solidFill>
+            <a:prstDash val="solid"/>
+            <a:round/>
+          </a:ln>
+          <a:effectLst>
+            <a:outerShdw blurRad="38100" dist="20000" dir="5400000" rotWithShape="0">
+              <a:srgbClr val="000000">
+                <a:alpha val="38000"/>
+              </a:srgbClr>
+            </a:outerShdw>
+          </a:effectLst>
+          <a:sp3d/>
+        </p:spPr>
+        <p:style>
+          <a:lnRef idx="0">
+            <a:scrgbClr r="0" g="0" b="0"/>
+          </a:lnRef>
+          <a:fillRef idx="0">
+            <a:scrgbClr r="0" g="0" b="0"/>
+          </a:fillRef>
+          <a:effectRef idx="0">
+            <a:scrgbClr r="0" g="0" b="0"/>
+          </a:effectRef>
+          <a:fontRef idx="none"/>
+        </p:style>
+      </p:cxnSp>
+      <p:sp>
+        <p:nvSpPr>
+          <p:cNvPr id="4" name="TextBox 3">
+            <a:extLst>
+              <a:ext uri="{FF2B5EF4-FFF2-40B4-BE49-F238E27FC236}">
+                <a16:creationId xmlns:a16="http://schemas.microsoft.com/office/drawing/2014/main" id="{74CED85A-D8AC-4FC0-3410-3E0CBDD2959A}"/>
+              </a:ext>
+            </a:extLst>
+          </p:cNvPr>
+          <p:cNvSpPr txBox="1"/>
+          <p:nvPr/>
+        </p:nvSpPr>
+        <p:spPr>
+          <a:xfrm>
+            <a:off x="690223" y="5948221"/>
+            <a:ext cx="608498" cy="307775"/>
+          </a:xfrm>
+          <a:prstGeom prst="rect">
+            <a:avLst/>
+          </a:prstGeom>
+          <a:noFill/>
+          <a:ln w="12700" cap="flat">
+            <a:noFill/>
+            <a:miter lim="400000"/>
+          </a:ln>
+          <a:effectLst/>
+          <a:sp3d/>
+        </p:spPr>
+        <p:style>
+          <a:lnRef idx="0">
+            <a:scrgbClr r="0" g="0" b="0"/>
+          </a:lnRef>
+          <a:fillRef idx="0">
+            <a:scrgbClr r="0" g="0" b="0"/>
+          </a:fillRef>
+          <a:effectRef idx="0">
+            <a:scrgbClr r="0" g="0" b="0"/>
+          </a:effectRef>
+          <a:fontRef idx="none"/>
+        </p:style>
+        <p:txBody>
+          <a:bodyPr rot="0" spcFirstLastPara="1" vertOverflow="overflow" horzOverflow="overflow" vert="horz" wrap="none" lIns="45719" tIns="45719" rIns="45719" bIns="45719" numCol="1" spcCol="38100" rtlCol="0" anchor="t">
+            <a:spAutoFit/>
+          </a:bodyPr>
+          <a:lstStyle/>
+          <a:p>
+            <a:pPr marL="0" marR="0" indent="0" algn="l" defTabSz="914400" rtl="0" fontAlgn="auto" latinLnBrk="0" hangingPunct="0">
+              <a:lnSpc>
+                <a:spcPct val="100000"/>
+              </a:lnSpc>
+              <a:spcBef>
+                <a:spcPts val="0"/>
+              </a:spcBef>
+              <a:spcAft>
+                <a:spcPts val="0"/>
+              </a:spcAft>
+              <a:buClrTx/>
+              <a:buSzTx/>
+              <a:buFontTx/>
+              <a:buNone/>
+              <a:tabLst/>
+            </a:pPr>
+            <a:r>
+              <a:rPr kumimoji="0" lang="en-US" sz="1400" b="0" i="0" u="none" strike="noStrike" cap="none" spc="0" normalizeH="0" baseline="0" dirty="0">
+                <a:ln>
+                  <a:noFill/>
+                </a:ln>
+                <a:solidFill>
+                  <a:srgbClr val="000000"/>
+                </a:solidFill>
+                <a:effectLst/>
+                <a:uFillTx/>
+                <a:latin typeface="Trebuchet MS"/>
+                <a:ea typeface="Trebuchet MS"/>
+                <a:cs typeface="Trebuchet MS"/>
+                <a:sym typeface="Trebuchet MS"/>
+              </a:rPr>
+              <a:t>1950’s</a:t>
+            </a:r>
+          </a:p>
+        </p:txBody>
+      </p:sp>
+      <p:cxnSp>
+        <p:nvCxnSpPr>
+          <p:cNvPr id="5" name="Straight Connector 4">
+            <a:extLst>
+              <a:ext uri="{FF2B5EF4-FFF2-40B4-BE49-F238E27FC236}">
+                <a16:creationId xmlns:a16="http://schemas.microsoft.com/office/drawing/2014/main" id="{F9BEBC54-AC51-2999-381C-91CB611C0883}"/>
+              </a:ext>
+            </a:extLst>
+          </p:cNvPr>
+          <p:cNvCxnSpPr/>
+          <p:nvPr/>
+        </p:nvCxnSpPr>
+        <p:spPr>
+          <a:xfrm>
+            <a:off x="7712851" y="5756761"/>
+            <a:ext cx="0" cy="168365"/>
+          </a:xfrm>
+          <a:prstGeom prst="line">
+            <a:avLst/>
+          </a:prstGeom>
+          <a:noFill/>
+          <a:ln w="25400" cap="flat">
+            <a:solidFill>
+              <a:schemeClr val="accent1"/>
+            </a:solidFill>
+            <a:prstDash val="solid"/>
+            <a:round/>
+          </a:ln>
+          <a:effectLst>
+            <a:outerShdw blurRad="38100" dist="20000" dir="5400000" rotWithShape="0">
+              <a:srgbClr val="000000">
+                <a:alpha val="38000"/>
+              </a:srgbClr>
+            </a:outerShdw>
+          </a:effectLst>
+          <a:sp3d/>
+        </p:spPr>
+        <p:style>
+          <a:lnRef idx="0">
+            <a:scrgbClr r="0" g="0" b="0"/>
+          </a:lnRef>
+          <a:fillRef idx="0">
+            <a:scrgbClr r="0" g="0" b="0"/>
+          </a:fillRef>
+          <a:effectRef idx="0">
+            <a:scrgbClr r="0" g="0" b="0"/>
+          </a:effectRef>
+          <a:fontRef idx="none"/>
+        </p:style>
+      </p:cxnSp>
+      <p:sp>
+        <p:nvSpPr>
+          <p:cNvPr id="6" name="TextBox 5">
+            <a:extLst>
+              <a:ext uri="{FF2B5EF4-FFF2-40B4-BE49-F238E27FC236}">
+                <a16:creationId xmlns:a16="http://schemas.microsoft.com/office/drawing/2014/main" id="{5F2DA42B-1BCC-DB77-6DF3-153F2504D8A0}"/>
+              </a:ext>
+            </a:extLst>
+          </p:cNvPr>
+          <p:cNvSpPr txBox="1"/>
+          <p:nvPr/>
+        </p:nvSpPr>
+        <p:spPr>
+          <a:xfrm>
+            <a:off x="7428151" y="5925126"/>
+            <a:ext cx="608498" cy="307775"/>
+          </a:xfrm>
+          <a:prstGeom prst="rect">
+            <a:avLst/>
+          </a:prstGeom>
+          <a:noFill/>
+          <a:ln w="12700" cap="flat">
+            <a:noFill/>
+            <a:miter lim="400000"/>
+          </a:ln>
+          <a:effectLst/>
+          <a:sp3d/>
+        </p:spPr>
+        <p:style>
+          <a:lnRef idx="0">
+            <a:scrgbClr r="0" g="0" b="0"/>
+          </a:lnRef>
+          <a:fillRef idx="0">
+            <a:scrgbClr r="0" g="0" b="0"/>
+          </a:fillRef>
+          <a:effectRef idx="0">
+            <a:scrgbClr r="0" g="0" b="0"/>
+          </a:effectRef>
+          <a:fontRef idx="none"/>
+        </p:style>
+        <p:txBody>
+          <a:bodyPr rot="0" spcFirstLastPara="1" vertOverflow="overflow" horzOverflow="overflow" vert="horz" wrap="none" lIns="45719" tIns="45719" rIns="45719" bIns="45719" numCol="1" spcCol="38100" rtlCol="0" anchor="t">
+            <a:spAutoFit/>
+          </a:bodyPr>
+          <a:lstStyle/>
+          <a:p>
+            <a:pPr marL="0" marR="0" indent="0" algn="l" defTabSz="914400" rtl="0" fontAlgn="auto" latinLnBrk="0" hangingPunct="0">
+              <a:lnSpc>
+                <a:spcPct val="100000"/>
+              </a:lnSpc>
+              <a:spcBef>
+                <a:spcPts val="0"/>
+              </a:spcBef>
+              <a:spcAft>
+                <a:spcPts val="0"/>
+              </a:spcAft>
+              <a:buClrTx/>
+              <a:buSzTx/>
+              <a:buFontTx/>
+              <a:buNone/>
+              <a:tabLst/>
+            </a:pPr>
+            <a:r>
+              <a:rPr lang="en-US" sz="1400" dirty="0"/>
+              <a:t>2010</a:t>
+            </a:r>
+            <a:r>
+              <a:rPr kumimoji="0" lang="en-US" sz="1400" b="0" i="0" u="none" strike="noStrike" cap="none" spc="0" normalizeH="0" baseline="0" dirty="0">
+                <a:ln>
+                  <a:noFill/>
+                </a:ln>
+                <a:solidFill>
+                  <a:srgbClr val="000000"/>
+                </a:solidFill>
+                <a:effectLst/>
+                <a:uFillTx/>
+                <a:latin typeface="Trebuchet MS"/>
+                <a:ea typeface="Trebuchet MS"/>
+                <a:cs typeface="Trebuchet MS"/>
+                <a:sym typeface="Trebuchet MS"/>
+              </a:rPr>
+              <a:t>’s</a:t>
+            </a:r>
+          </a:p>
+        </p:txBody>
+      </p:sp>
+      <p:cxnSp>
+        <p:nvCxnSpPr>
+          <p:cNvPr id="9" name="Straight Connector 8">
+            <a:extLst>
+              <a:ext uri="{FF2B5EF4-FFF2-40B4-BE49-F238E27FC236}">
+                <a16:creationId xmlns:a16="http://schemas.microsoft.com/office/drawing/2014/main" id="{80C239E8-C0EF-5E14-93F7-1DE1D5651346}"/>
+              </a:ext>
+            </a:extLst>
+          </p:cNvPr>
+          <p:cNvCxnSpPr/>
+          <p:nvPr/>
+        </p:nvCxnSpPr>
+        <p:spPr>
+          <a:xfrm>
+            <a:off x="4486237" y="5751812"/>
+            <a:ext cx="0" cy="168365"/>
+          </a:xfrm>
+          <a:prstGeom prst="line">
+            <a:avLst/>
+          </a:prstGeom>
+          <a:noFill/>
+          <a:ln w="25400" cap="flat">
+            <a:solidFill>
+              <a:schemeClr val="accent1"/>
+            </a:solidFill>
+            <a:prstDash val="solid"/>
+            <a:round/>
+          </a:ln>
+          <a:effectLst>
+            <a:outerShdw blurRad="38100" dist="20000" dir="5400000" rotWithShape="0">
+              <a:srgbClr val="000000">
+                <a:alpha val="38000"/>
+              </a:srgbClr>
+            </a:outerShdw>
+          </a:effectLst>
+          <a:sp3d/>
+        </p:spPr>
+        <p:style>
+          <a:lnRef idx="0">
+            <a:scrgbClr r="0" g="0" b="0"/>
+          </a:lnRef>
+          <a:fillRef idx="0">
+            <a:scrgbClr r="0" g="0" b="0"/>
+          </a:fillRef>
+          <a:effectRef idx="0">
+            <a:scrgbClr r="0" g="0" b="0"/>
+          </a:effectRef>
+          <a:fontRef idx="none"/>
+        </p:style>
+      </p:cxnSp>
+      <p:sp>
+        <p:nvSpPr>
+          <p:cNvPr id="10" name="TextBox 9">
+            <a:extLst>
+              <a:ext uri="{FF2B5EF4-FFF2-40B4-BE49-F238E27FC236}">
+                <a16:creationId xmlns:a16="http://schemas.microsoft.com/office/drawing/2014/main" id="{2A39AB42-AE84-DF4D-C79A-CC9B786CD32E}"/>
+              </a:ext>
+            </a:extLst>
+          </p:cNvPr>
+          <p:cNvSpPr txBox="1"/>
+          <p:nvPr/>
+        </p:nvSpPr>
+        <p:spPr>
+          <a:xfrm>
+            <a:off x="4201537" y="5920177"/>
+            <a:ext cx="608498" cy="307775"/>
+          </a:xfrm>
+          <a:prstGeom prst="rect">
+            <a:avLst/>
+          </a:prstGeom>
+          <a:noFill/>
+          <a:ln w="12700" cap="flat">
+            <a:noFill/>
+            <a:miter lim="400000"/>
+          </a:ln>
+          <a:effectLst/>
+          <a:sp3d/>
+        </p:spPr>
+        <p:style>
+          <a:lnRef idx="0">
+            <a:scrgbClr r="0" g="0" b="0"/>
+          </a:lnRef>
+          <a:fillRef idx="0">
+            <a:scrgbClr r="0" g="0" b="0"/>
+          </a:fillRef>
+          <a:effectRef idx="0">
+            <a:scrgbClr r="0" g="0" b="0"/>
+          </a:effectRef>
+          <a:fontRef idx="none"/>
+        </p:style>
+        <p:txBody>
+          <a:bodyPr rot="0" spcFirstLastPara="1" vertOverflow="overflow" horzOverflow="overflow" vert="horz" wrap="none" lIns="45719" tIns="45719" rIns="45719" bIns="45719" numCol="1" spcCol="38100" rtlCol="0" anchor="t">
+            <a:spAutoFit/>
+          </a:bodyPr>
+          <a:lstStyle/>
+          <a:p>
+            <a:pPr marL="0" marR="0" indent="0" algn="l" defTabSz="914400" rtl="0" fontAlgn="auto" latinLnBrk="0" hangingPunct="0">
+              <a:lnSpc>
+                <a:spcPct val="100000"/>
+              </a:lnSpc>
+              <a:spcBef>
+                <a:spcPts val="0"/>
+              </a:spcBef>
+              <a:spcAft>
+                <a:spcPts val="0"/>
+              </a:spcAft>
+              <a:buClrTx/>
+              <a:buSzTx/>
+              <a:buFontTx/>
+              <a:buNone/>
+              <a:tabLst/>
+            </a:pPr>
+            <a:r>
+              <a:rPr kumimoji="0" lang="en-US" sz="1400" b="0" i="0" u="none" strike="noStrike" cap="none" spc="0" normalizeH="0" baseline="0" dirty="0">
+                <a:ln>
+                  <a:noFill/>
+                </a:ln>
+                <a:solidFill>
+                  <a:srgbClr val="000000"/>
+                </a:solidFill>
+                <a:effectLst/>
+                <a:uFillTx/>
+                <a:latin typeface="Trebuchet MS"/>
+                <a:ea typeface="Trebuchet MS"/>
+                <a:cs typeface="Trebuchet MS"/>
+                <a:sym typeface="Trebuchet MS"/>
+              </a:rPr>
+              <a:t>1980’s</a:t>
+            </a:r>
+          </a:p>
+        </p:txBody>
+      </p:sp>
     </p:spTree>
   </p:cSld>
   <p:clrMapOvr>
@@ -24314,7 +24581,7 @@
           </a:prstGeom>
           <a:extLst>
             <a:ext uri="{C572A759-6A51-4108-AA02-DFA0A04FC94B}">
-              <ma14:wrappingTextBoxFlag xmlns:ma14="http://schemas.microsoft.com/office/mac/drawingml/2011/main" xmlns:a14="http://schemas.microsoft.com/office/drawing/2010/main" xmlns:m="http://schemas.openxmlformats.org/officeDocument/2006/math" xmlns="" val="1"/>
+              <ma14:wrappingTextBoxFlag xmlns="" xmlns:m="http://schemas.openxmlformats.org/officeDocument/2006/math" xmlns:a14="http://schemas.microsoft.com/office/drawing/2010/main" xmlns:ma14="http://schemas.microsoft.com/office/mac/drawingml/2011/main" val="1"/>
             </a:ext>
           </a:extLst>
         </p:spPr>
@@ -24395,7 +24662,7 @@
               </a:defRPr>
             </a:pPr>
             <a:r>
-              <a:rPr>
+              <a:rPr dirty="0">
                 <a:solidFill>
                   <a:srgbClr val="080808"/>
                 </a:solidFill>
@@ -24420,7 +24687,7 @@
               </a:defRPr>
             </a:pPr>
             <a:r>
-              <a:rPr u="sng">
+              <a:rPr sz="2600" u="sng" dirty="0">
                 <a:solidFill>
                   <a:srgbClr val="40BAC8"/>
                 </a:solidFill>
@@ -24433,7 +24700,7 @@
               </a:rPr>
               <a:t>https://youtu.be/OV1l5xFHiwQ?t=16</a:t>
             </a:r>
-            <a:endParaRPr>
+            <a:endParaRPr sz="2600" dirty="0">
               <a:solidFill>
                 <a:srgbClr val="080808"/>
               </a:solidFill>
@@ -24456,7 +24723,7 @@
               </a:defRPr>
             </a:pPr>
             <a:r>
-              <a:rPr>
+              <a:rPr dirty="0">
                 <a:solidFill>
                   <a:srgbClr val="080808"/>
                 </a:solidFill>
@@ -24481,7 +24748,7 @@
               </a:defRPr>
             </a:pPr>
             <a:r>
-              <a:rPr u="sng">
+              <a:rPr sz="2600" u="sng" dirty="0">
                 <a:solidFill>
                   <a:srgbClr val="40BAC8"/>
                 </a:solidFill>
@@ -24494,7 +24761,7 @@
               </a:rPr>
               <a:t>https://youtu.be/t7P4au6bT1Q?t=23</a:t>
             </a:r>
-            <a:endParaRPr>
+            <a:endParaRPr sz="2600" dirty="0">
               <a:solidFill>
                 <a:srgbClr val="080808"/>
               </a:solidFill>
@@ -24517,7 +24784,7 @@
               </a:defRPr>
             </a:pPr>
             <a:r>
-              <a:rPr>
+              <a:rPr dirty="0">
                 <a:solidFill>
                   <a:srgbClr val="080808"/>
                 </a:solidFill>
@@ -24542,7 +24809,7 @@
               </a:defRPr>
             </a:pPr>
             <a:r>
-              <a:rPr u="sng">
+              <a:rPr sz="2600" u="sng" dirty="0">
                 <a:solidFill>
                   <a:srgbClr val="40BAC8"/>
                 </a:solidFill>
@@ -24555,7 +24822,7 @@
               </a:rPr>
               <a:t>https://youtu.be/kZViHcQgGYU?t=37</a:t>
             </a:r>
-            <a:endParaRPr>
+            <a:endParaRPr sz="2600" dirty="0">
               <a:solidFill>
                 <a:srgbClr val="080808"/>
               </a:solidFill>
@@ -24578,7 +24845,7 @@
               </a:defRPr>
             </a:pPr>
             <a:r>
-              <a:rPr>
+              <a:rPr dirty="0">
                 <a:solidFill>
                   <a:srgbClr val="080808"/>
                 </a:solidFill>
@@ -24603,7 +24870,7 @@
               </a:defRPr>
             </a:pPr>
             <a:r>
-              <a:rPr u="sng">
+              <a:rPr sz="2600" u="sng" dirty="0">
                 <a:solidFill>
                   <a:srgbClr val="40BAC8"/>
                 </a:solidFill>
@@ -24664,7 +24931,7 @@
           </a:ln>
           <a:extLst>
             <a:ext uri="{C572A759-6A51-4108-AA02-DFA0A04FC94B}">
-              <ma14:wrappingTextBoxFlag xmlns:ma14="http://schemas.microsoft.com/office/mac/drawingml/2011/main" xmlns:a14="http://schemas.microsoft.com/office/drawing/2010/main" xmlns:m="http://schemas.openxmlformats.org/officeDocument/2006/math" xmlns="" val="1"/>
+              <ma14:wrappingTextBoxFlag xmlns="" xmlns:m="http://schemas.openxmlformats.org/officeDocument/2006/math" xmlns:a14="http://schemas.microsoft.com/office/drawing/2010/main" xmlns:ma14="http://schemas.microsoft.com/office/mac/drawingml/2011/main" val="1"/>
             </a:ext>
           </a:extLst>
         </p:spPr>
@@ -24708,7 +24975,7 @@
           </a:prstGeom>
           <a:extLst>
             <a:ext uri="{C572A759-6A51-4108-AA02-DFA0A04FC94B}">
-              <ma14:wrappingTextBoxFlag xmlns:ma14="http://schemas.microsoft.com/office/mac/drawingml/2011/main" xmlns:a14="http://schemas.microsoft.com/office/drawing/2010/main" xmlns:m="http://schemas.openxmlformats.org/officeDocument/2006/math" xmlns="" val="1"/>
+              <ma14:wrappingTextBoxFlag xmlns="" xmlns:m="http://schemas.openxmlformats.org/officeDocument/2006/math" xmlns:a14="http://schemas.microsoft.com/office/drawing/2010/main" xmlns:ma14="http://schemas.microsoft.com/office/mac/drawingml/2011/main" val="1"/>
             </a:ext>
           </a:extLst>
         </p:spPr>
@@ -24731,6 +24998,7 @@
           </a:lstStyle>
           <a:p>
             <a:fld id="{86CB4B4D-7CA3-9044-876B-883B54F8677D}" type="slidenum">
+              <a:rPr/>
               <a:t>7</a:t>
             </a:fld>
             <a:endParaRPr/>
@@ -24761,7 +25029,12 @@
           </a:lstStyle>
           <a:p>
             <a:r>
-              <a:t>Biggest Challenge</a:t>
+              <a:rPr lang="en-US" dirty="0"/>
+              <a:t>The</a:t>
+            </a:r>
+            <a:r>
+              <a:rPr dirty="0"/>
+              <a:t> Challenge</a:t>
             </a:r>
           </a:p>
         </p:txBody>
@@ -24790,18 +25063,16 @@
           <a:lstStyle/>
           <a:p>
             <a:r>
+              <a:rPr dirty="0"/>
               <a:t>Images/video represent unstructured data that is hard to analyze and interpret automatically</a:t>
             </a:r>
           </a:p>
           <a:p>
             <a:r>
-              <a:t>What can be done about it?</a:t>
+              <a:rPr lang="en-US" dirty="0"/>
+              <a:t>How can we extract meaningful information from images/video?</a:t>
             </a:r>
-          </a:p>
-          <a:p>
-            <a:r>
-              <a:t>How can we turn unstructured information into structured?</a:t>
-            </a:r>
+            <a:endParaRPr dirty="0"/>
           </a:p>
         </p:txBody>
       </p:sp>
@@ -24850,7 +25121,7 @@
           </a:ln>
           <a:extLst>
             <a:ext uri="{C572A759-6A51-4108-AA02-DFA0A04FC94B}">
-              <ma14:wrappingTextBoxFlag xmlns:ma14="http://schemas.microsoft.com/office/mac/drawingml/2011/main" xmlns:a14="http://schemas.microsoft.com/office/drawing/2010/main" xmlns:m="http://schemas.openxmlformats.org/officeDocument/2006/math" xmlns="" val="1"/>
+              <ma14:wrappingTextBoxFlag xmlns="" xmlns:m="http://schemas.openxmlformats.org/officeDocument/2006/math" xmlns:a14="http://schemas.microsoft.com/office/drawing/2010/main" xmlns:ma14="http://schemas.microsoft.com/office/mac/drawingml/2011/main" val="1"/>
             </a:ext>
           </a:extLst>
         </p:spPr>
@@ -24894,7 +25165,7 @@
           </a:prstGeom>
           <a:extLst>
             <a:ext uri="{C572A759-6A51-4108-AA02-DFA0A04FC94B}">
-              <ma14:wrappingTextBoxFlag xmlns:ma14="http://schemas.microsoft.com/office/mac/drawingml/2011/main" xmlns:a14="http://schemas.microsoft.com/office/drawing/2010/main" xmlns:m="http://schemas.openxmlformats.org/officeDocument/2006/math" xmlns="" val="1"/>
+              <ma14:wrappingTextBoxFlag xmlns="" xmlns:m="http://schemas.openxmlformats.org/officeDocument/2006/math" xmlns:a14="http://schemas.microsoft.com/office/drawing/2010/main" xmlns:ma14="http://schemas.microsoft.com/office/mac/drawingml/2011/main" val="1"/>
             </a:ext>
           </a:extLst>
         </p:spPr>
@@ -25158,7 +25429,7 @@
           </a:ln>
           <a:extLst>
             <a:ext uri="{C572A759-6A51-4108-AA02-DFA0A04FC94B}">
-              <ma14:wrappingTextBoxFlag xmlns:ma14="http://schemas.microsoft.com/office/mac/drawingml/2011/main" xmlns:a14="http://schemas.microsoft.com/office/drawing/2010/main" xmlns:m="http://schemas.openxmlformats.org/officeDocument/2006/math" xmlns="" val="1"/>
+              <ma14:wrappingTextBoxFlag xmlns="" xmlns:m="http://schemas.openxmlformats.org/officeDocument/2006/math" xmlns:a14="http://schemas.microsoft.com/office/drawing/2010/main" xmlns:ma14="http://schemas.microsoft.com/office/mac/drawingml/2011/main" val="1"/>
             </a:ext>
           </a:extLst>
         </p:spPr>
@@ -25202,7 +25473,7 @@
           </a:prstGeom>
           <a:extLst>
             <a:ext uri="{C572A759-6A51-4108-AA02-DFA0A04FC94B}">
-              <ma14:wrappingTextBoxFlag xmlns:ma14="http://schemas.microsoft.com/office/mac/drawingml/2011/main" xmlns:a14="http://schemas.microsoft.com/office/drawing/2010/main" xmlns:m="http://schemas.openxmlformats.org/officeDocument/2006/math" xmlns="" val="1"/>
+              <ma14:wrappingTextBoxFlag xmlns="" xmlns:m="http://schemas.openxmlformats.org/officeDocument/2006/math" xmlns:a14="http://schemas.microsoft.com/office/drawing/2010/main" xmlns:ma14="http://schemas.microsoft.com/office/mac/drawingml/2011/main" val="1"/>
             </a:ext>
           </a:extLst>
         </p:spPr>
